--- a/UmamusumeStyle/UmamusumeStyle_alt.pptx
+++ b/UmamusumeStyle/UmamusumeStyle_alt.pptx
@@ -268,7 +268,7 @@
           <a:p>
             <a:fld id="{E2A15D2C-3287-41D3-B7B7-48BCEE524AD7}" type="datetimeFigureOut">
               <a:rPr kumimoji="1" lang="ja-JP" altLang="en-US" smtClean="0"/>
-              <a:t>2023/8/11</a:t>
+              <a:t>2023/9/18</a:t>
             </a:fld>
             <a:endParaRPr kumimoji="1" lang="ja-JP" altLang="en-US"/>
           </a:p>
@@ -498,7 +498,7 @@
           <a:p>
             <a:fld id="{E2A15D2C-3287-41D3-B7B7-48BCEE524AD7}" type="datetimeFigureOut">
               <a:rPr kumimoji="1" lang="ja-JP" altLang="en-US" smtClean="0"/>
-              <a:t>2023/8/11</a:t>
+              <a:t>2023/9/18</a:t>
             </a:fld>
             <a:endParaRPr kumimoji="1" lang="ja-JP" altLang="en-US"/>
           </a:p>
@@ -738,7 +738,7 @@
           <a:p>
             <a:fld id="{E2A15D2C-3287-41D3-B7B7-48BCEE524AD7}" type="datetimeFigureOut">
               <a:rPr kumimoji="1" lang="ja-JP" altLang="en-US" smtClean="0"/>
-              <a:t>2023/8/11</a:t>
+              <a:t>2023/9/18</a:t>
             </a:fld>
             <a:endParaRPr kumimoji="1" lang="ja-JP" altLang="en-US"/>
           </a:p>
@@ -968,7 +968,7 @@
           <a:p>
             <a:fld id="{E2A15D2C-3287-41D3-B7B7-48BCEE524AD7}" type="datetimeFigureOut">
               <a:rPr kumimoji="1" lang="ja-JP" altLang="en-US" smtClean="0"/>
-              <a:t>2023/8/11</a:t>
+              <a:t>2023/9/18</a:t>
             </a:fld>
             <a:endParaRPr kumimoji="1" lang="ja-JP" altLang="en-US"/>
           </a:p>
@@ -1243,7 +1243,7 @@
           <a:p>
             <a:fld id="{E2A15D2C-3287-41D3-B7B7-48BCEE524AD7}" type="datetimeFigureOut">
               <a:rPr kumimoji="1" lang="ja-JP" altLang="en-US" smtClean="0"/>
-              <a:t>2023/8/11</a:t>
+              <a:t>2023/9/18</a:t>
             </a:fld>
             <a:endParaRPr kumimoji="1" lang="ja-JP" altLang="en-US"/>
           </a:p>
@@ -1572,7 +1572,7 @@
           <a:p>
             <a:fld id="{E2A15D2C-3287-41D3-B7B7-48BCEE524AD7}" type="datetimeFigureOut">
               <a:rPr kumimoji="1" lang="ja-JP" altLang="en-US" smtClean="0"/>
-              <a:t>2023/8/11</a:t>
+              <a:t>2023/9/18</a:t>
             </a:fld>
             <a:endParaRPr kumimoji="1" lang="ja-JP" altLang="en-US"/>
           </a:p>
@@ -2048,7 +2048,7 @@
           <a:p>
             <a:fld id="{E2A15D2C-3287-41D3-B7B7-48BCEE524AD7}" type="datetimeFigureOut">
               <a:rPr kumimoji="1" lang="ja-JP" altLang="en-US" smtClean="0"/>
-              <a:t>2023/8/11</a:t>
+              <a:t>2023/9/18</a:t>
             </a:fld>
             <a:endParaRPr kumimoji="1" lang="ja-JP" altLang="en-US"/>
           </a:p>
@@ -2189,7 +2189,7 @@
           <a:p>
             <a:fld id="{E2A15D2C-3287-41D3-B7B7-48BCEE524AD7}" type="datetimeFigureOut">
               <a:rPr kumimoji="1" lang="ja-JP" altLang="en-US" smtClean="0"/>
-              <a:t>2023/8/11</a:t>
+              <a:t>2023/9/18</a:t>
             </a:fld>
             <a:endParaRPr kumimoji="1" lang="ja-JP" altLang="en-US"/>
           </a:p>
@@ -2302,7 +2302,7 @@
           <a:p>
             <a:fld id="{E2A15D2C-3287-41D3-B7B7-48BCEE524AD7}" type="datetimeFigureOut">
               <a:rPr kumimoji="1" lang="ja-JP" altLang="en-US" smtClean="0"/>
-              <a:t>2023/8/11</a:t>
+              <a:t>2023/9/18</a:t>
             </a:fld>
             <a:endParaRPr kumimoji="1" lang="ja-JP" altLang="en-US"/>
           </a:p>
@@ -2645,7 +2645,7 @@
           <a:p>
             <a:fld id="{E2A15D2C-3287-41D3-B7B7-48BCEE524AD7}" type="datetimeFigureOut">
               <a:rPr kumimoji="1" lang="ja-JP" altLang="en-US" smtClean="0"/>
-              <a:t>2023/8/11</a:t>
+              <a:t>2023/9/18</a:t>
             </a:fld>
             <a:endParaRPr kumimoji="1" lang="ja-JP" altLang="en-US"/>
           </a:p>
@@ -2933,7 +2933,7 @@
           <a:p>
             <a:fld id="{E2A15D2C-3287-41D3-B7B7-48BCEE524AD7}" type="datetimeFigureOut">
               <a:rPr kumimoji="1" lang="ja-JP" altLang="en-US" smtClean="0"/>
-              <a:t>2023/8/11</a:t>
+              <a:t>2023/9/18</a:t>
             </a:fld>
             <a:endParaRPr kumimoji="1" lang="ja-JP" altLang="en-US"/>
           </a:p>
@@ -3010,9 +3010,18 @@
 <p:sldMaster xmlns:a="http://schemas.openxmlformats.org/drawingml/2006/main" xmlns:r="http://schemas.openxmlformats.org/officeDocument/2006/relationships" xmlns:p="http://schemas.openxmlformats.org/presentationml/2006/main">
   <p:cSld>
     <p:bg>
-      <p:bgRef idx="1001">
-        <a:schemeClr val="bg1"/>
-      </p:bgRef>
+      <p:bgPr>
+        <a:blipFill dpi="0" rotWithShape="1">
+          <a:blip r:embed="rId13">
+            <a:lum/>
+          </a:blip>
+          <a:srcRect/>
+          <a:stretch>
+            <a:fillRect/>
+          </a:stretch>
+        </a:blipFill>
+        <a:effectLst/>
+      </p:bgPr>
     </p:bg>
     <p:spTree>
       <p:nvGrpSpPr>
@@ -3206,7 +3215,7 @@
           <a:p>
             <a:fld id="{E2A15D2C-3287-41D3-B7B7-48BCEE524AD7}" type="datetimeFigureOut">
               <a:rPr kumimoji="1" lang="ja-JP" altLang="en-US" smtClean="0"/>
-              <a:t>2023/8/11</a:t>
+              <a:t>2023/9/18</a:t>
             </a:fld>
             <a:endParaRPr kumimoji="1" lang="ja-JP" altLang="en-US"/>
           </a:p>
